--- a/Shiny/Talk/Shiny_intro_tomaugust.pptx
+++ b/Shiny/Talk/Shiny_intro_tomaugust.pptx
@@ -296,7 +296,7 @@
           <a:p>
             <a:fld id="{AE116C22-44A7-4606-964A-665DDCBE7A35}" type="datetimeFigureOut">
               <a:rPr lang="en-GB" smtClean="0"/>
-              <a:t>10/11/2016</a:t>
+              <a:t>22/11/2016</a:t>
             </a:fld>
             <a:endParaRPr lang="en-GB"/>
           </a:p>
@@ -466,7 +466,7 @@
           <a:p>
             <a:fld id="{AE116C22-44A7-4606-964A-665DDCBE7A35}" type="datetimeFigureOut">
               <a:rPr lang="en-GB" smtClean="0"/>
-              <a:t>10/11/2016</a:t>
+              <a:t>22/11/2016</a:t>
             </a:fld>
             <a:endParaRPr lang="en-GB"/>
           </a:p>
@@ -689,7 +689,7 @@
           <a:p>
             <a:fld id="{AE116C22-44A7-4606-964A-665DDCBE7A35}" type="datetimeFigureOut">
               <a:rPr lang="en-GB" smtClean="0"/>
-              <a:t>10/11/2016</a:t>
+              <a:t>22/11/2016</a:t>
             </a:fld>
             <a:endParaRPr lang="en-GB"/>
           </a:p>
@@ -869,7 +869,7 @@
           <a:p>
             <a:fld id="{AE116C22-44A7-4606-964A-665DDCBE7A35}" type="datetimeFigureOut">
               <a:rPr lang="en-GB" smtClean="0"/>
-              <a:t>10/11/2016</a:t>
+              <a:t>22/11/2016</a:t>
             </a:fld>
             <a:endParaRPr lang="en-GB"/>
           </a:p>
@@ -1182,7 +1182,7 @@
           <a:p>
             <a:fld id="{AE116C22-44A7-4606-964A-665DDCBE7A35}" type="datetimeFigureOut">
               <a:rPr lang="en-GB" smtClean="0"/>
-              <a:t>10/11/2016</a:t>
+              <a:t>22/11/2016</a:t>
             </a:fld>
             <a:endParaRPr lang="en-GB"/>
           </a:p>
@@ -1486,7 +1486,7 @@
           <a:p>
             <a:fld id="{AE116C22-44A7-4606-964A-665DDCBE7A35}" type="datetimeFigureOut">
               <a:rPr lang="en-GB" smtClean="0"/>
-              <a:t>10/11/2016</a:t>
+              <a:t>22/11/2016</a:t>
             </a:fld>
             <a:endParaRPr lang="en-GB"/>
           </a:p>
@@ -1908,7 +1908,7 @@
           <a:p>
             <a:fld id="{AE116C22-44A7-4606-964A-665DDCBE7A35}" type="datetimeFigureOut">
               <a:rPr lang="en-GB" smtClean="0"/>
-              <a:t>10/11/2016</a:t>
+              <a:t>22/11/2016</a:t>
             </a:fld>
             <a:endParaRPr lang="en-GB"/>
           </a:p>
@@ -2026,7 +2026,7 @@
           <a:p>
             <a:fld id="{AE116C22-44A7-4606-964A-665DDCBE7A35}" type="datetimeFigureOut">
               <a:rPr lang="en-GB" smtClean="0"/>
-              <a:t>10/11/2016</a:t>
+              <a:t>22/11/2016</a:t>
             </a:fld>
             <a:endParaRPr lang="en-GB"/>
           </a:p>
@@ -2121,7 +2121,7 @@
           <a:p>
             <a:fld id="{AE116C22-44A7-4606-964A-665DDCBE7A35}" type="datetimeFigureOut">
               <a:rPr lang="en-GB" smtClean="0"/>
-              <a:t>10/11/2016</a:t>
+              <a:t>22/11/2016</a:t>
             </a:fld>
             <a:endParaRPr lang="en-GB"/>
           </a:p>
@@ -2394,7 +2394,7 @@
           <a:p>
             <a:fld id="{AE116C22-44A7-4606-964A-665DDCBE7A35}" type="datetimeFigureOut">
               <a:rPr lang="en-GB" smtClean="0"/>
-              <a:t>10/11/2016</a:t>
+              <a:t>22/11/2016</a:t>
             </a:fld>
             <a:endParaRPr lang="en-GB"/>
           </a:p>
@@ -2659,7 +2659,7 @@
           <a:p>
             <a:fld id="{AE116C22-44A7-4606-964A-665DDCBE7A35}" type="datetimeFigureOut">
               <a:rPr lang="en-GB" smtClean="0"/>
-              <a:t>10/11/2016</a:t>
+              <a:t>22/11/2016</a:t>
             </a:fld>
             <a:endParaRPr lang="en-GB"/>
           </a:p>
@@ -2908,7 +2908,7 @@
           <a:p>
             <a:fld id="{AE116C22-44A7-4606-964A-665DDCBE7A35}" type="datetimeFigureOut">
               <a:rPr lang="en-GB" smtClean="0"/>
-              <a:t>10/11/2016</a:t>
+              <a:t>22/11/2016</a:t>
             </a:fld>
             <a:endParaRPr lang="en-GB"/>
           </a:p>
@@ -3521,11 +3521,11 @@
   <p:clrMapOvr>
     <a:masterClrMapping/>
   </p:clrMapOvr>
-  <mc:AlternateContent xmlns:mc="http://schemas.openxmlformats.org/markup-compatibility/2006">
-    <mc:Choice xmlns:p14="http://schemas.microsoft.com/office/powerpoint/2010/main" Requires="p14">
+  <mc:AlternateContent xmlns:mc="http://schemas.openxmlformats.org/markup-compatibility/2006" xmlns:p14="http://schemas.microsoft.com/office/powerpoint/2010/main">
+    <mc:Choice Requires="p14">
       <p:transition p14:dur="0"/>
     </mc:Choice>
-    <mc:Fallback>
+    <mc:Fallback xmlns="">
       <p:transition/>
     </mc:Fallback>
   </mc:AlternateContent>
@@ -4875,10 +4875,16 @@
               <a:t>Provide data: </a:t>
             </a:r>
             <a:r>
+              <a:rPr lang="en-GB" sz="1600" u="sng" dirty="0" smtClean="0">
+                <a:hlinkClick r:id="rId2"/>
+              </a:rPr>
+              <a:t>https://</a:t>
+            </a:r>
+            <a:r>
               <a:rPr lang="en-GB" sz="1600" u="sng" dirty="0">
                 <a:hlinkClick r:id="rId2"/>
               </a:rPr>
-              <a:t>http://shiny-prod.nerc-lancaster.ac.uk/tomaug/bbs_sssi_app/</a:t>
+              <a:t>shiny-prod.nerc-lancaster.ac.uk/tomaug/bbs_sssi_app/</a:t>
             </a:r>
             <a:endParaRPr lang="en-GB" sz="1600" dirty="0"/>
           </a:p>
@@ -4889,12 +4895,18 @@
             <a:r>
               <a:rPr lang="en-GB" sz="1600" dirty="0"/>
               <a:t>Map visualisation: </a:t>
+            </a:r>
+            <a:r>
+              <a:rPr lang="en-GB" sz="1600" u="sng" dirty="0" smtClean="0">
+                <a:hlinkClick r:id="rId3"/>
+              </a:rPr>
+              <a:t>https://</a:t>
             </a:r>
             <a:r>
               <a:rPr lang="en-GB" sz="1600" u="sng" dirty="0">
                 <a:hlinkClick r:id="rId3"/>
               </a:rPr>
-              <a:t>http://shiny-prod.nerc-lancaster.ac.uk/tomaug/interactive_plant_atlas/</a:t>
+              <a:t>shiny-prod.nerc-lancaster.ac.uk/tomaug/interactive_plant_atlas/</a:t>
             </a:r>
             <a:endParaRPr lang="en-GB" sz="1600" dirty="0"/>
           </a:p>
@@ -4909,12 +4921,18 @@
             <a:r>
               <a:rPr lang="en-GB" sz="1600" dirty="0" smtClean="0"/>
               <a:t>code: </a:t>
+            </a:r>
+            <a:r>
+              <a:rPr lang="en-GB" sz="1600" u="sng" dirty="0" smtClean="0">
+                <a:hlinkClick r:id="rId4"/>
+              </a:rPr>
+              <a:t>https://</a:t>
             </a:r>
             <a:r>
               <a:rPr lang="en-GB" sz="1600" u="sng" dirty="0">
                 <a:hlinkClick r:id="rId4"/>
               </a:rPr>
-              <a:t>http://shiny-prod.nerc-lancaster.ac.uk/tomaug/natures_postcode/</a:t>
+              <a:t>shiny-prod.nerc-lancaster.ac.uk/tomaug/natures_postcode/</a:t>
             </a:r>
             <a:endParaRPr lang="en-GB" sz="1600" dirty="0"/>
           </a:p>
@@ -5187,19 +5205,7 @@
                   </a:innerShdw>
                 </a:effectLst>
               </a:rPr>
-              <a:t>How  Do  I  Do  it</a:t>
-            </a:r>
-            <a:r>
-              <a:rPr lang="en-GB" dirty="0" smtClean="0">
-                <a:effectLst>
-                  <a:innerShdw blurRad="63500" dist="50800" dir="13500000">
-                    <a:prstClr val="black">
-                      <a:alpha val="50000"/>
-                    </a:prstClr>
-                  </a:innerShdw>
-                </a:effectLst>
-              </a:rPr>
-              <a:t>? </a:t>
+              <a:t>How  Do  I  Do  it? </a:t>
             </a:r>
             <a:endParaRPr lang="en-GB" dirty="0">
               <a:effectLst>
@@ -5568,19 +5574,7 @@
                   </a:innerShdw>
                 </a:effectLst>
               </a:rPr>
-              <a:t>How  Do  I  Do  it</a:t>
-            </a:r>
-            <a:r>
-              <a:rPr lang="en-GB" dirty="0" smtClean="0">
-                <a:effectLst>
-                  <a:innerShdw blurRad="63500" dist="50800" dir="13500000">
-                    <a:prstClr val="black">
-                      <a:alpha val="50000"/>
-                    </a:prstClr>
-                  </a:innerShdw>
-                </a:effectLst>
-              </a:rPr>
-              <a:t>? </a:t>
+              <a:t>How  Do  I  Do  it? </a:t>
             </a:r>
             <a:endParaRPr lang="en-GB" dirty="0">
               <a:effectLst>
@@ -5978,19 +5972,7 @@
                   </a:innerShdw>
                 </a:effectLst>
               </a:rPr>
-              <a:t>How  Do  I  Do  it</a:t>
-            </a:r>
-            <a:r>
-              <a:rPr lang="en-GB" dirty="0" smtClean="0">
-                <a:effectLst>
-                  <a:innerShdw blurRad="63500" dist="50800" dir="13500000">
-                    <a:prstClr val="black">
-                      <a:alpha val="50000"/>
-                    </a:prstClr>
-                  </a:innerShdw>
-                </a:effectLst>
-              </a:rPr>
-              <a:t>? </a:t>
+              <a:t>How  Do  I  Do  it? </a:t>
             </a:r>
             <a:endParaRPr lang="en-GB" dirty="0">
               <a:effectLst>
